--- a/Vukasin Popovic Prezentacije/Whale Optimization Algorithm Tema 4.pptx
+++ b/Vukasin Popovic Prezentacije/Whale Optimization Algorithm Tema 4.pptx
@@ -10,22 +10,16 @@
     <p:sldId id="258" r:id="rId4"/>
     <p:sldId id="259" r:id="rId5"/>
     <p:sldId id="260" r:id="rId6"/>
-    <p:sldId id="261" r:id="rId7"/>
-    <p:sldId id="262" r:id="rId8"/>
-    <p:sldId id="263" r:id="rId9"/>
-    <p:sldId id="264" r:id="rId10"/>
-    <p:sldId id="265" r:id="rId11"/>
-    <p:sldId id="266" r:id="rId12"/>
-    <p:sldId id="267" r:id="rId13"/>
-    <p:sldId id="268" r:id="rId14"/>
-    <p:sldId id="269" r:id="rId15"/>
-    <p:sldId id="270" r:id="rId16"/>
-    <p:sldId id="271" r:id="rId17"/>
-    <p:sldId id="272" r:id="rId18"/>
-    <p:sldId id="273" r:id="rId19"/>
-    <p:sldId id="274" r:id="rId20"/>
-    <p:sldId id="275" r:id="rId21"/>
-    <p:sldId id="276" r:id="rId22"/>
+    <p:sldId id="262" r:id="rId7"/>
+    <p:sldId id="263" r:id="rId8"/>
+    <p:sldId id="264" r:id="rId9"/>
+    <p:sldId id="268" r:id="rId10"/>
+    <p:sldId id="269" r:id="rId11"/>
+    <p:sldId id="270" r:id="rId12"/>
+    <p:sldId id="273" r:id="rId13"/>
+    <p:sldId id="274" r:id="rId14"/>
+    <p:sldId id="275" r:id="rId15"/>
+    <p:sldId id="276" r:id="rId16"/>
   </p:sldIdLst>
   <p:sldSz cx="12192000" cy="6858000"/>
   <p:notesSz cx="6858000" cy="9144000"/>
@@ -300,7 +294,7 @@
           <a:p>
             <a:fld id="{D05B0792-8DCF-49E3-8199-5C19347ED2C6}" type="datetimeFigureOut">
               <a:rPr lang="en-GB" smtClean="0"/>
-              <a:t>14.01.2026</a:t>
+              <a:t>26/01/2026</a:t>
             </a:fld>
             <a:endParaRPr lang="en-GB"/>
           </a:p>
@@ -528,7 +522,7 @@
           <a:p>
             <a:fld id="{D05B0792-8DCF-49E3-8199-5C19347ED2C6}" type="datetimeFigureOut">
               <a:rPr lang="en-GB" smtClean="0"/>
-              <a:t>14.01.2026</a:t>
+              <a:t>26/01/2026</a:t>
             </a:fld>
             <a:endParaRPr lang="en-GB"/>
           </a:p>
@@ -708,7 +702,7 @@
           <a:p>
             <a:fld id="{D05B0792-8DCF-49E3-8199-5C19347ED2C6}" type="datetimeFigureOut">
               <a:rPr lang="en-GB" smtClean="0"/>
-              <a:t>14.01.2026</a:t>
+              <a:t>26/01/2026</a:t>
             </a:fld>
             <a:endParaRPr lang="en-GB"/>
           </a:p>
@@ -878,7 +872,7 @@
           <a:p>
             <a:fld id="{D05B0792-8DCF-49E3-8199-5C19347ED2C6}" type="datetimeFigureOut">
               <a:rPr lang="en-GB" smtClean="0"/>
-              <a:t>14.01.2026</a:t>
+              <a:t>26/01/2026</a:t>
             </a:fld>
             <a:endParaRPr lang="en-GB"/>
           </a:p>
@@ -1132,7 +1126,7 @@
           <a:p>
             <a:fld id="{D05B0792-8DCF-49E3-8199-5C19347ED2C6}" type="datetimeFigureOut">
               <a:rPr lang="en-GB" smtClean="0"/>
-              <a:t>14.01.2026</a:t>
+              <a:t>26/01/2026</a:t>
             </a:fld>
             <a:endParaRPr lang="en-GB"/>
           </a:p>
@@ -1458,7 +1452,7 @@
           <a:p>
             <a:fld id="{D05B0792-8DCF-49E3-8199-5C19347ED2C6}" type="datetimeFigureOut">
               <a:rPr lang="en-GB" smtClean="0"/>
-              <a:t>14.01.2026</a:t>
+              <a:t>26/01/2026</a:t>
             </a:fld>
             <a:endParaRPr lang="en-GB"/>
           </a:p>
@@ -1909,7 +1903,7 @@
           <a:p>
             <a:fld id="{D05B0792-8DCF-49E3-8199-5C19347ED2C6}" type="datetimeFigureOut">
               <a:rPr lang="en-GB" smtClean="0"/>
-              <a:t>14.01.2026</a:t>
+              <a:t>26/01/2026</a:t>
             </a:fld>
             <a:endParaRPr lang="en-GB"/>
           </a:p>
@@ -2027,7 +2021,7 @@
           <a:p>
             <a:fld id="{D05B0792-8DCF-49E3-8199-5C19347ED2C6}" type="datetimeFigureOut">
               <a:rPr lang="en-GB" smtClean="0"/>
-              <a:t>14.01.2026</a:t>
+              <a:t>26/01/2026</a:t>
             </a:fld>
             <a:endParaRPr lang="en-GB"/>
           </a:p>
@@ -2122,7 +2116,7 @@
           <a:p>
             <a:fld id="{D05B0792-8DCF-49E3-8199-5C19347ED2C6}" type="datetimeFigureOut">
               <a:rPr lang="en-GB" smtClean="0"/>
-              <a:t>14.01.2026</a:t>
+              <a:t>26/01/2026</a:t>
             </a:fld>
             <a:endParaRPr lang="en-GB"/>
           </a:p>
@@ -2409,7 +2403,7 @@
           <a:p>
             <a:fld id="{D05B0792-8DCF-49E3-8199-5C19347ED2C6}" type="datetimeFigureOut">
               <a:rPr lang="en-GB" smtClean="0"/>
-              <a:t>14.01.2026</a:t>
+              <a:t>26/01/2026</a:t>
             </a:fld>
             <a:endParaRPr lang="en-GB"/>
           </a:p>
@@ -2730,7 +2724,7 @@
           <a:p>
             <a:fld id="{D05B0792-8DCF-49E3-8199-5C19347ED2C6}" type="datetimeFigureOut">
               <a:rPr lang="en-GB" smtClean="0"/>
-              <a:t>14.01.2026</a:t>
+              <a:t>26/01/2026</a:t>
             </a:fld>
             <a:endParaRPr lang="en-GB"/>
           </a:p>
@@ -2984,7 +2978,7 @@
           <a:p>
             <a:fld id="{D05B0792-8DCF-49E3-8199-5C19347ED2C6}" type="datetimeFigureOut">
               <a:rPr lang="en-GB" smtClean="0"/>
-              <a:t>14.01.2026</a:t>
+              <a:t>26/01/2026</a:t>
             </a:fld>
             <a:endParaRPr lang="en-GB"/>
           </a:p>
@@ -3850,7 +3844,7 @@
           <p:cNvPr id="2" name="Title 1">
             <a:extLst>
               <a:ext uri="{FF2B5EF4-FFF2-40B4-BE49-F238E27FC236}">
-                <a16:creationId xmlns:a16="http://schemas.microsoft.com/office/drawing/2014/main" id="{DA4C0CD5-4C86-27D2-74D5-BC1C1C6686E3}"/>
+                <a16:creationId xmlns:a16="http://schemas.microsoft.com/office/drawing/2014/main" id="{8E3DF166-7193-DA31-8928-9F6BF204B8C9}"/>
               </a:ext>
             </a:extLst>
           </p:cNvPr>
@@ -3868,7 +3862,7 @@
           <a:p>
             <a:r>
               <a:rPr lang="en-GB"/>
-              <a:t>Okruživanje plena</a:t>
+              <a:t>Poređenje sa PSO</a:t>
             </a:r>
           </a:p>
         </p:txBody>
@@ -3878,7 +3872,7 @@
           <p:cNvPr id="3" name="Content Placeholder 2">
             <a:extLst>
               <a:ext uri="{FF2B5EF4-FFF2-40B4-BE49-F238E27FC236}">
-                <a16:creationId xmlns:a16="http://schemas.microsoft.com/office/drawing/2014/main" id="{E0E8FF6F-C0B1-CE77-D437-D881204AF71B}"/>
+                <a16:creationId xmlns:a16="http://schemas.microsoft.com/office/drawing/2014/main" id="{24D9374C-BD28-3E19-2266-B5A364D318C3}"/>
               </a:ext>
             </a:extLst>
           </p:cNvPr>
@@ -3898,28 +3892,48 @@
           <a:p>
             <a:r>
               <a:rPr lang="en-GB" sz="2400"/>
-              <a:t>Kitovi pretpostavljaju da je najbolji trenutni kandidat plen.</a:t>
-            </a:r>
-          </a:p>
-          <a:p>
-            <a:r>
-              <a:rPr lang="pl-PL" sz="2400"/>
-              <a:t>Ostali kitovi prilagođavaju svoju poziciju u odnosu na njega.</a:t>
-            </a:r>
-            <a:endParaRPr lang="en-GB" sz="2400"/>
-          </a:p>
-          <a:p>
+              <a:t>PSO (Particle Swarm Optimization):</a:t>
+            </a:r>
+          </a:p>
+          <a:p>
+            <a:pPr lvl="1"/>
             <a:r>
               <a:rPr lang="en-GB" sz="2400"/>
-              <a:t>Ovo predstavlja </a:t>
-            </a:r>
-            <a:r>
-              <a:rPr lang="en-GB" sz="2400" b="1"/>
-              <a:t>eksploataciju</a:t>
-            </a:r>
+              <a:t>brz u konvergenciji</a:t>
+            </a:r>
+          </a:p>
+          <a:p>
+            <a:pPr lvl="1"/>
             <a:r>
               <a:rPr lang="en-GB" sz="2400"/>
-              <a:t> prostora rešenja.</a:t>
+              <a:t>zavisi od brzine čestica</a:t>
+            </a:r>
+          </a:p>
+          <a:p>
+            <a:r>
+              <a:rPr lang="en-GB" sz="2400"/>
+              <a:t>WOA:</a:t>
+            </a:r>
+          </a:p>
+          <a:p>
+            <a:pPr lvl="1"/>
+            <a:r>
+              <a:rPr lang="en-GB" sz="2400"/>
+              <a:t>jednostavnija dinamika</a:t>
+            </a:r>
+          </a:p>
+          <a:p>
+            <a:pPr lvl="1"/>
+            <a:r>
+              <a:rPr lang="en-GB" sz="2400"/>
+              <a:t>manje parametara</a:t>
+            </a:r>
+          </a:p>
+          <a:p>
+            <a:pPr lvl="1"/>
+            <a:r>
+              <a:rPr lang="en-GB" sz="2400"/>
+              <a:t>lakše podešavanje</a:t>
             </a:r>
           </a:p>
         </p:txBody>
@@ -3927,7 +3941,7 @@
     </p:spTree>
     <p:extLst>
       <p:ext uri="{BB962C8B-B14F-4D97-AF65-F5344CB8AC3E}">
-        <p14:creationId xmlns:p14="http://schemas.microsoft.com/office/powerpoint/2010/main" val="380387353"/>
+        <p14:creationId xmlns:p14="http://schemas.microsoft.com/office/powerpoint/2010/main" val="3732614567"/>
       </p:ext>
     </p:extLst>
   </p:cSld>
@@ -3959,7 +3973,7 @@
           <p:cNvPr id="2" name="Title 1">
             <a:extLst>
               <a:ext uri="{FF2B5EF4-FFF2-40B4-BE49-F238E27FC236}">
-                <a16:creationId xmlns:a16="http://schemas.microsoft.com/office/drawing/2014/main" id="{298245BD-46E6-4CE2-4F09-A4A7AA1FFC2A}"/>
+                <a16:creationId xmlns:a16="http://schemas.microsoft.com/office/drawing/2014/main" id="{3628040C-656E-08CF-40FC-7923FEDCA9B4}"/>
               </a:ext>
             </a:extLst>
           </p:cNvPr>
@@ -3977,7 +3991,7 @@
           <a:p>
             <a:r>
               <a:rPr lang="en-GB"/>
-              <a:t>Spiralno kretanje</a:t>
+              <a:t>Poređenje sa GWO</a:t>
             </a:r>
           </a:p>
         </p:txBody>
@@ -3987,7 +4001,7 @@
           <p:cNvPr id="3" name="Content Placeholder 2">
             <a:extLst>
               <a:ext uri="{FF2B5EF4-FFF2-40B4-BE49-F238E27FC236}">
-                <a16:creationId xmlns:a16="http://schemas.microsoft.com/office/drawing/2014/main" id="{05C915AE-B8A0-09D4-7BEC-E2201E091CA8}"/>
+                <a16:creationId xmlns:a16="http://schemas.microsoft.com/office/drawing/2014/main" id="{1C6F8A82-5F0A-31E4-0886-E3D3CE93AD65}"/>
               </a:ext>
             </a:extLst>
           </p:cNvPr>
@@ -4007,35 +4021,48 @@
           <a:p>
             <a:r>
               <a:rPr lang="en-GB" sz="2400"/>
-              <a:t>Spiralno kretanje simulira:</a:t>
+              <a:t>GWO (Grey Wolf Optimizer):</a:t>
             </a:r>
           </a:p>
           <a:p>
             <a:pPr lvl="1"/>
             <a:r>
               <a:rPr lang="en-GB" sz="2400"/>
-              <a:t>stvarno ponašanje kitova</a:t>
+              <a:t>hijerarhijska struktura</a:t>
             </a:r>
           </a:p>
           <a:p>
             <a:pPr lvl="1"/>
             <a:r>
+              <a:rPr lang="sv-SE" sz="2400"/>
+              <a:t>više vođa (alpha, beta, delta)</a:t>
+            </a:r>
+          </a:p>
+          <a:p>
+            <a:r>
               <a:rPr lang="en-GB" sz="2400"/>
-              <a:t>profesionalne govornike</a:t>
-            </a:r>
-            <a:endParaRPr lang="sr-Latn-RS" sz="2400"/>
+              <a:t>WOA:</a:t>
+            </a:r>
           </a:p>
           <a:p>
             <a:pPr lvl="1"/>
             <a:r>
               <a:rPr lang="en-GB" sz="2400"/>
-              <a:t>postepeno približavanje optimalnom rešenju</a:t>
-            </a:r>
-          </a:p>
-          <a:p>
+              <a:t>jedan najbolji lider</a:t>
+            </a:r>
+          </a:p>
+          <a:p>
+            <a:pPr lvl="1"/>
             <a:r>
               <a:rPr lang="en-GB" sz="2400"/>
-              <a:t>Ova faza omogućava preciznije lokalno pretraživanje.</a:t>
+              <a:t>spiralna strategija kretanja</a:t>
+            </a:r>
+          </a:p>
+          <a:p>
+            <a:pPr lvl="1"/>
+            <a:r>
+              <a:rPr lang="en-GB" sz="2400"/>
+              <a:t>jednostavniji model</a:t>
             </a:r>
           </a:p>
         </p:txBody>
@@ -4043,7 +4070,7 @@
     </p:spTree>
     <p:extLst>
       <p:ext uri="{BB962C8B-B14F-4D97-AF65-F5344CB8AC3E}">
-        <p14:creationId xmlns:p14="http://schemas.microsoft.com/office/powerpoint/2010/main" val="2098747330"/>
+        <p14:creationId xmlns:p14="http://schemas.microsoft.com/office/powerpoint/2010/main" val="230032610"/>
       </p:ext>
     </p:extLst>
   </p:cSld>
@@ -4075,7 +4102,7 @@
           <p:cNvPr id="2" name="Title 1">
             <a:extLst>
               <a:ext uri="{FF2B5EF4-FFF2-40B4-BE49-F238E27FC236}">
-                <a16:creationId xmlns:a16="http://schemas.microsoft.com/office/drawing/2014/main" id="{314E6DC2-0813-501D-4A0F-31C815485202}"/>
+                <a16:creationId xmlns:a16="http://schemas.microsoft.com/office/drawing/2014/main" id="{71FE9DBE-BC2F-C35F-3B6B-F731956AEAC5}"/>
               </a:ext>
             </a:extLst>
           </p:cNvPr>
@@ -4092,9 +4119,18 @@
           <a:lstStyle/>
           <a:p>
             <a:r>
-              <a:rPr lang="en-GB"/>
-              <a:t>Istraživanje prostora (Exploration)</a:t>
-            </a:r>
+              <a:rPr lang="en-GB" dirty="0" err="1"/>
+              <a:t>Primena</a:t>
+            </a:r>
+            <a:r>
+              <a:rPr lang="en-GB" dirty="0"/>
+              <a:t> </a:t>
+            </a:r>
+            <a:r>
+              <a:rPr lang="fi-FI" dirty="0"/>
+              <a:t>WOA algoritma</a:t>
+            </a:r>
+            <a:endParaRPr lang="en-GB" dirty="0"/>
           </a:p>
         </p:txBody>
       </p:sp>
@@ -4103,7 +4139,7 @@
           <p:cNvPr id="3" name="Content Placeholder 2">
             <a:extLst>
               <a:ext uri="{FF2B5EF4-FFF2-40B4-BE49-F238E27FC236}">
-                <a16:creationId xmlns:a16="http://schemas.microsoft.com/office/drawing/2014/main" id="{E2B32236-4306-2BA3-AC3A-DE2BF967A2CC}"/>
+                <a16:creationId xmlns:a16="http://schemas.microsoft.com/office/drawing/2014/main" id="{458D0F8D-18B8-4B84-7891-B37DBC05DE87}"/>
               </a:ext>
             </a:extLst>
           </p:cNvPr>
@@ -4122,38 +4158,176 @@
           <a:lstStyle/>
           <a:p>
             <a:r>
-              <a:rPr lang="en-GB" sz="2400"/>
-              <a:t>Istraživanje prostora (Exploration)</a:t>
+              <a:rPr lang="fi-FI" sz="2400" dirty="0"/>
+              <a:t>WOA se često koristi za:</a:t>
             </a:r>
           </a:p>
           <a:p>
             <a:pPr lvl="1"/>
             <a:r>
-              <a:rPr lang="pl-PL" sz="2400"/>
-              <a:t>kitovi se pomeraju ka nasumičnim pozicijama</a:t>
-            </a:r>
-            <a:endParaRPr lang="en-US" sz="2400"/>
+              <a:rPr lang="en-GB" sz="2400" dirty="0" err="1"/>
+              <a:t>izbor</a:t>
+            </a:r>
+            <a:r>
+              <a:rPr lang="en-GB" sz="2400" dirty="0"/>
+              <a:t> </a:t>
+            </a:r>
+            <a:r>
+              <a:rPr lang="en-GB" sz="2400" dirty="0" err="1"/>
+              <a:t>optimalnog</a:t>
+            </a:r>
+            <a:r>
+              <a:rPr lang="en-GB" sz="2400" dirty="0"/>
+              <a:t> </a:t>
+            </a:r>
+            <a:r>
+              <a:rPr lang="en-GB" sz="2400" dirty="0" err="1"/>
+              <a:t>podskupa</a:t>
+            </a:r>
+            <a:r>
+              <a:rPr lang="en-GB" sz="2400" dirty="0"/>
+              <a:t> </a:t>
+            </a:r>
+            <a:r>
+              <a:rPr lang="en-GB" sz="2400" dirty="0" err="1"/>
+              <a:t>osobina</a:t>
+            </a:r>
+            <a:endParaRPr lang="en-GB" sz="2400" dirty="0"/>
           </a:p>
           <a:p>
             <a:pPr lvl="1"/>
             <a:r>
-              <a:rPr lang="en-GB" sz="2400"/>
-              <a:t>povećava se raznovrsnost rešenja</a:t>
-            </a:r>
-          </a:p>
-          <a:p>
-            <a:r>
-              <a:rPr lang="pl-PL" sz="2400"/>
-              <a:t>Ovo je ključno za globalnu optimizaciju.</a:t>
-            </a:r>
-            <a:endParaRPr lang="en-GB" sz="2400"/>
+              <a:rPr lang="en-GB" sz="2400" dirty="0" err="1"/>
+              <a:t>smanjenje</a:t>
+            </a:r>
+            <a:r>
+              <a:rPr lang="en-GB" sz="2400" dirty="0"/>
+              <a:t> </a:t>
+            </a:r>
+            <a:r>
+              <a:rPr lang="en-GB" sz="2400" dirty="0" err="1"/>
+              <a:t>dimenzionalnosti</a:t>
+            </a:r>
+            <a:endParaRPr lang="en-GB" sz="2400" dirty="0"/>
+          </a:p>
+          <a:p>
+            <a:pPr lvl="1"/>
+            <a:r>
+              <a:rPr lang="en-GB" sz="2400" dirty="0" err="1"/>
+              <a:t>poboljšanje</a:t>
+            </a:r>
+            <a:r>
+              <a:rPr lang="en-GB" sz="2400" dirty="0"/>
+              <a:t> </a:t>
+            </a:r>
+            <a:r>
+              <a:rPr lang="en-GB" sz="2400" dirty="0" err="1"/>
+              <a:t>performansi</a:t>
+            </a:r>
+            <a:r>
+              <a:rPr lang="en-GB" sz="2400" dirty="0"/>
+              <a:t> ML </a:t>
+            </a:r>
+            <a:r>
+              <a:rPr lang="en-GB" sz="2400" dirty="0" err="1"/>
+              <a:t>modela</a:t>
+            </a:r>
+            <a:endParaRPr lang="en-GB" sz="2400" dirty="0"/>
+          </a:p>
+          <a:p>
+            <a:r>
+              <a:rPr lang="en-GB" sz="2400" dirty="0"/>
+              <a:t>WOA je </a:t>
+            </a:r>
+            <a:r>
+              <a:rPr lang="en-GB" sz="2400" dirty="0" err="1"/>
+              <a:t>primenjen</a:t>
+            </a:r>
+            <a:r>
+              <a:rPr lang="en-GB" sz="2400" dirty="0"/>
+              <a:t> u:</a:t>
+            </a:r>
+          </a:p>
+          <a:p>
+            <a:pPr lvl="1"/>
+            <a:r>
+              <a:rPr lang="en-GB" sz="2400" dirty="0" err="1"/>
+              <a:t>optimizaciji</a:t>
+            </a:r>
+            <a:r>
+              <a:rPr lang="en-GB" sz="2400" dirty="0"/>
+              <a:t> </a:t>
+            </a:r>
+            <a:r>
+              <a:rPr lang="en-GB" sz="2400" dirty="0" err="1"/>
+              <a:t>struktura</a:t>
+            </a:r>
+            <a:endParaRPr lang="en-GB" sz="2400" dirty="0"/>
+          </a:p>
+          <a:p>
+            <a:pPr lvl="1"/>
+            <a:r>
+              <a:rPr lang="en-GB" sz="2400" dirty="0" err="1"/>
+              <a:t>energetskoj</a:t>
+            </a:r>
+            <a:r>
+              <a:rPr lang="en-GB" sz="2400" dirty="0"/>
+              <a:t> </a:t>
+            </a:r>
+            <a:r>
+              <a:rPr lang="en-GB" sz="2400" dirty="0" err="1"/>
+              <a:t>efikasnosti</a:t>
+            </a:r>
+            <a:endParaRPr lang="en-GB" sz="2400" dirty="0"/>
+          </a:p>
+          <a:p>
+            <a:pPr lvl="1"/>
+            <a:r>
+              <a:rPr lang="en-GB" sz="2400" dirty="0" err="1"/>
+              <a:t>raspoređivanju</a:t>
+            </a:r>
+            <a:r>
+              <a:rPr lang="en-GB" sz="2400" dirty="0"/>
+              <a:t> </a:t>
+            </a:r>
+            <a:r>
+              <a:rPr lang="en-GB" sz="2400" dirty="0" err="1"/>
+              <a:t>resursa</a:t>
+            </a:r>
+            <a:endParaRPr lang="en-GB" sz="2400" dirty="0"/>
+          </a:p>
+          <a:p>
+            <a:r>
+              <a:rPr lang="en-GB" sz="2400" dirty="0" err="1"/>
+              <a:t>Posebno</a:t>
+            </a:r>
+            <a:r>
+              <a:rPr lang="en-GB" sz="2400" dirty="0"/>
+              <a:t> u </a:t>
+            </a:r>
+            <a:r>
+              <a:rPr lang="en-GB" sz="2400" dirty="0" err="1"/>
+              <a:t>nelinearnim</a:t>
+            </a:r>
+            <a:r>
+              <a:rPr lang="en-GB" sz="2400" dirty="0"/>
+              <a:t> </a:t>
+            </a:r>
+            <a:r>
+              <a:rPr lang="en-GB" sz="2400" dirty="0" err="1"/>
+              <a:t>problemima</a:t>
+            </a:r>
+            <a:r>
+              <a:rPr lang="en-GB" sz="2400" dirty="0"/>
+              <a:t>.</a:t>
+            </a:r>
           </a:p>
         </p:txBody>
       </p:sp>
     </p:spTree>
     <p:extLst>
       <p:ext uri="{BB962C8B-B14F-4D97-AF65-F5344CB8AC3E}">
-        <p14:creationId xmlns:p14="http://schemas.microsoft.com/office/powerpoint/2010/main" val="3864942590"/>
+        <p14:creationId xmlns:p14="http://schemas.microsoft.com/office/powerpoint/2010/main" val="4236086827"/>
       </p:ext>
     </p:extLst>
   </p:cSld>
@@ -4185,7 +4359,7 @@
           <p:cNvPr id="2" name="Title 1">
             <a:extLst>
               <a:ext uri="{FF2B5EF4-FFF2-40B4-BE49-F238E27FC236}">
-                <a16:creationId xmlns:a16="http://schemas.microsoft.com/office/drawing/2014/main" id="{97876E85-E00E-D586-DE21-5401B945A829}"/>
+                <a16:creationId xmlns:a16="http://schemas.microsoft.com/office/drawing/2014/main" id="{4EA9815A-EEE8-B54B-4A69-65EEE9A489C7}"/>
               </a:ext>
             </a:extLst>
           </p:cNvPr>
@@ -4202,10 +4376,9 @@
           <a:lstStyle/>
           <a:p>
             <a:r>
-              <a:rPr lang="pl-PL"/>
-              <a:t>Zašto je WOA dobar izbor</a:t>
-            </a:r>
-            <a:endParaRPr lang="en-GB"/>
+              <a:rPr lang="en-GB"/>
+              <a:t>Prednosti i ograničenja</a:t>
+            </a:r>
           </a:p>
         </p:txBody>
       </p:sp>
@@ -4214,7 +4387,7 @@
           <p:cNvPr id="3" name="Content Placeholder 2">
             <a:extLst>
               <a:ext uri="{FF2B5EF4-FFF2-40B4-BE49-F238E27FC236}">
-                <a16:creationId xmlns:a16="http://schemas.microsoft.com/office/drawing/2014/main" id="{CBE0C052-B698-0216-32D9-02C0AC75A02A}"/>
+                <a16:creationId xmlns:a16="http://schemas.microsoft.com/office/drawing/2014/main" id="{587D8A7A-40B8-A358-781D-B36A77E7EAEA}"/>
               </a:ext>
             </a:extLst>
           </p:cNvPr>
@@ -4234,35 +4407,49 @@
           <a:p>
             <a:r>
               <a:rPr lang="en-GB" sz="2400"/>
-              <a:t>Prednosti WOA algoritma:</a:t>
-            </a:r>
+              <a:t>Prednosti:</a:t>
+            </a:r>
+            <a:endParaRPr lang="pl-PL" sz="2400"/>
           </a:p>
           <a:p>
             <a:pPr lvl="1"/>
             <a:r>
-              <a:rPr lang="pl-PL" sz="2400"/>
-              <a:t>jednostavan za razumevanje i implementaciju</a:t>
-            </a:r>
-            <a:endParaRPr lang="en-US" sz="2400"/>
+              <a:rPr lang="en-GB" sz="2400"/>
+              <a:t>jednostavna implementacija</a:t>
+            </a:r>
           </a:p>
           <a:p>
             <a:pPr lvl="1"/>
             <a:r>
               <a:rPr lang="en-GB" sz="2400"/>
-              <a:t>mali broj parametara</a:t>
+              <a:t>Fleksibilnost</a:t>
             </a:r>
           </a:p>
           <a:p>
             <a:pPr lvl="1"/>
             <a:r>
-              <a:rPr lang="fr-FR" sz="2400"/>
-              <a:t>dobar balans između exploration i exploitation</a:t>
-            </a:r>
-          </a:p>
-          <a:p>
-            <a:r>
               <a:rPr lang="en-GB" sz="2400"/>
-              <a:t>Zbog toga je čest izbor u istraživanju.</a:t>
+              <a:t>široka primena</a:t>
+            </a:r>
+          </a:p>
+          <a:p>
+            <a:r>
+              <a:rPr lang="en-GB" sz="2400"/>
+              <a:t>Ograničenja:</a:t>
+            </a:r>
+          </a:p>
+          <a:p>
+            <a:pPr lvl="1"/>
+            <a:r>
+              <a:rPr lang="en-GB" sz="2400"/>
+              <a:t>sporija konvergencija u nekim slučajevima</a:t>
+            </a:r>
+          </a:p>
+          <a:p>
+            <a:pPr lvl="1"/>
+            <a:r>
+              <a:rPr lang="en-GB" sz="2400"/>
+              <a:t>zavisi od inicijalne populacije</a:t>
             </a:r>
           </a:p>
         </p:txBody>
@@ -4270,7 +4457,7 @@
     </p:spTree>
     <p:extLst>
       <p:ext uri="{BB962C8B-B14F-4D97-AF65-F5344CB8AC3E}">
-        <p14:creationId xmlns:p14="http://schemas.microsoft.com/office/powerpoint/2010/main" val="2676000572"/>
+        <p14:creationId xmlns:p14="http://schemas.microsoft.com/office/powerpoint/2010/main" val="3759438774"/>
       </p:ext>
     </p:extLst>
   </p:cSld>
@@ -4302,7 +4489,7 @@
           <p:cNvPr id="2" name="Title 1">
             <a:extLst>
               <a:ext uri="{FF2B5EF4-FFF2-40B4-BE49-F238E27FC236}">
-                <a16:creationId xmlns:a16="http://schemas.microsoft.com/office/drawing/2014/main" id="{8E3DF166-7193-DA31-8928-9F6BF204B8C9}"/>
+                <a16:creationId xmlns:a16="http://schemas.microsoft.com/office/drawing/2014/main" id="{DA7C6D56-A459-9DD6-C24F-2C9E1FA2F86E}"/>
               </a:ext>
             </a:extLst>
           </p:cNvPr>
@@ -4320,7 +4507,7 @@
           <a:p>
             <a:r>
               <a:rPr lang="en-GB"/>
-              <a:t>Poređenje sa PSO</a:t>
+              <a:t>Zaključak</a:t>
             </a:r>
           </a:p>
         </p:txBody>
@@ -4330,7 +4517,7 @@
           <p:cNvPr id="3" name="Content Placeholder 2">
             <a:extLst>
               <a:ext uri="{FF2B5EF4-FFF2-40B4-BE49-F238E27FC236}">
-                <a16:creationId xmlns:a16="http://schemas.microsoft.com/office/drawing/2014/main" id="{24D9374C-BD28-3E19-2266-B5A364D318C3}"/>
+                <a16:creationId xmlns:a16="http://schemas.microsoft.com/office/drawing/2014/main" id="{F12CAFF4-F9DE-D853-B8FF-B8252CEC2941}"/>
               </a:ext>
             </a:extLst>
           </p:cNvPr>
@@ -4350,48 +4537,19 @@
           <a:p>
             <a:r>
               <a:rPr lang="en-GB" sz="2400"/>
-              <a:t>PSO (Particle Swarm Optimization):</a:t>
-            </a:r>
-          </a:p>
-          <a:p>
-            <a:pPr lvl="1"/>
+              <a:t>Whale Optimization Algorithm je moćan i intuitivan metaheuristički algoritam.</a:t>
+            </a:r>
+          </a:p>
+          <a:p>
             <a:r>
               <a:rPr lang="en-GB" sz="2400"/>
-              <a:t>brz u konvergenciji</a:t>
-            </a:r>
-          </a:p>
-          <a:p>
-            <a:pPr lvl="1"/>
+              <a:t>Inspirisan prirodnim ponašanjem grbavih kitova, uspešno se primenjuje u ML i inženjerskim problemima.</a:t>
+            </a:r>
+          </a:p>
+          <a:p>
             <a:r>
               <a:rPr lang="en-GB" sz="2400"/>
-              <a:t>zavisi od brzine čestica</a:t>
-            </a:r>
-          </a:p>
-          <a:p>
-            <a:r>
-              <a:rPr lang="en-GB" sz="2400"/>
-              <a:t>WOA:</a:t>
-            </a:r>
-          </a:p>
-          <a:p>
-            <a:pPr lvl="1"/>
-            <a:r>
-              <a:rPr lang="en-GB" sz="2400"/>
-              <a:t>jednostavnija dinamika</a:t>
-            </a:r>
-          </a:p>
-          <a:p>
-            <a:pPr lvl="1"/>
-            <a:r>
-              <a:rPr lang="en-GB" sz="2400"/>
-              <a:t>manje parametara</a:t>
-            </a:r>
-          </a:p>
-          <a:p>
-            <a:pPr lvl="1"/>
-            <a:r>
-              <a:rPr lang="en-GB" sz="2400"/>
-              <a:t>lakše podešavanje</a:t>
+              <a:t>Zbog svoje jednostavnosti i fleksibilnosti, predstavlja dobar izbor za optimizacione zadatke.</a:t>
             </a:r>
           </a:p>
         </p:txBody>
@@ -4399,7 +4557,7 @@
     </p:spTree>
     <p:extLst>
       <p:ext uri="{BB962C8B-B14F-4D97-AF65-F5344CB8AC3E}">
-        <p14:creationId xmlns:p14="http://schemas.microsoft.com/office/powerpoint/2010/main" val="3732614567"/>
+        <p14:creationId xmlns:p14="http://schemas.microsoft.com/office/powerpoint/2010/main" val="549290673"/>
       </p:ext>
     </p:extLst>
   </p:cSld>
@@ -4431,7 +4589,7 @@
           <p:cNvPr id="2" name="Title 1">
             <a:extLst>
               <a:ext uri="{FF2B5EF4-FFF2-40B4-BE49-F238E27FC236}">
-                <a16:creationId xmlns:a16="http://schemas.microsoft.com/office/drawing/2014/main" id="{3628040C-656E-08CF-40FC-7923FEDCA9B4}"/>
+                <a16:creationId xmlns:a16="http://schemas.microsoft.com/office/drawing/2014/main" id="{A9538091-97C3-2BE3-A213-3AE0857169BD}"/>
               </a:ext>
             </a:extLst>
           </p:cNvPr>
@@ -4439,578 +4597,27 @@
             <a:spLocks noGrp="1"/>
           </p:cNvSpPr>
           <p:nvPr>
-            <p:ph type="title"/>
-          </p:nvPr>
-        </p:nvSpPr>
-        <p:spPr/>
-        <p:txBody>
-          <a:bodyPr/>
-          <a:lstStyle/>
-          <a:p>
-            <a:r>
-              <a:rPr lang="en-GB"/>
-              <a:t>Poređenje sa GWO</a:t>
-            </a:r>
-          </a:p>
-        </p:txBody>
-      </p:sp>
-      <p:sp>
-        <p:nvSpPr>
-          <p:cNvPr id="3" name="Content Placeholder 2">
-            <a:extLst>
-              <a:ext uri="{FF2B5EF4-FFF2-40B4-BE49-F238E27FC236}">
-                <a16:creationId xmlns:a16="http://schemas.microsoft.com/office/drawing/2014/main" id="{1C6F8A82-5F0A-31E4-0886-E3D3CE93AD65}"/>
-              </a:ext>
-            </a:extLst>
-          </p:cNvPr>
-          <p:cNvSpPr>
-            <a:spLocks noGrp="1"/>
-          </p:cNvSpPr>
-          <p:nvPr>
-            <p:ph idx="1"/>
-          </p:nvPr>
-        </p:nvSpPr>
-        <p:spPr/>
-        <p:txBody>
-          <a:bodyPr>
-            <a:normAutofit/>
-          </a:bodyPr>
-          <a:lstStyle/>
-          <a:p>
-            <a:r>
-              <a:rPr lang="en-GB" sz="2400"/>
-              <a:t>GWO (Grey Wolf Optimizer):</a:t>
-            </a:r>
-          </a:p>
-          <a:p>
-            <a:pPr lvl="1"/>
-            <a:r>
-              <a:rPr lang="en-GB" sz="2400"/>
-              <a:t>hijerarhijska struktura</a:t>
-            </a:r>
-          </a:p>
-          <a:p>
-            <a:pPr lvl="1"/>
-            <a:r>
-              <a:rPr lang="sv-SE" sz="2400"/>
-              <a:t>više vođa (alpha, beta, delta)</a:t>
-            </a:r>
-          </a:p>
-          <a:p>
-            <a:r>
-              <a:rPr lang="en-GB" sz="2400"/>
-              <a:t>WOA:</a:t>
-            </a:r>
-          </a:p>
-          <a:p>
-            <a:pPr lvl="1"/>
-            <a:r>
-              <a:rPr lang="en-GB" sz="2400"/>
-              <a:t>jedan najbolji lider</a:t>
-            </a:r>
-          </a:p>
-          <a:p>
-            <a:pPr lvl="1"/>
-            <a:r>
-              <a:rPr lang="en-GB" sz="2400"/>
-              <a:t>spiralna strategija kretanja</a:t>
-            </a:r>
-          </a:p>
-          <a:p>
-            <a:pPr lvl="1"/>
-            <a:r>
-              <a:rPr lang="en-GB" sz="2400"/>
-              <a:t>jednostavniji model</a:t>
-            </a:r>
+            <p:ph type="ctrTitle"/>
+          </p:nvPr>
+        </p:nvSpPr>
+        <p:spPr/>
+        <p:txBody>
+          <a:bodyPr anchor="ctr"/>
+          <a:lstStyle/>
+          <a:p>
+            <a:pPr algn="ctr"/>
+            <a:r>
+              <a:rPr lang="sr-Latn-RS"/>
+              <a:t>Hvala na pažnji!</a:t>
+            </a:r>
+            <a:endParaRPr lang="en-GB"/>
           </a:p>
         </p:txBody>
       </p:sp>
     </p:spTree>
     <p:extLst>
       <p:ext uri="{BB962C8B-B14F-4D97-AF65-F5344CB8AC3E}">
-        <p14:creationId xmlns:p14="http://schemas.microsoft.com/office/powerpoint/2010/main" val="230032610"/>
-      </p:ext>
-    </p:extLst>
-  </p:cSld>
-  <p:clrMapOvr>
-    <a:masterClrMapping/>
-  </p:clrMapOvr>
-</p:sld>
-</file>
-
-<file path=ppt/slides/slide16.xml><?xml version="1.0" encoding="utf-8"?>
-<p:sld xmlns:a="http://schemas.openxmlformats.org/drawingml/2006/main" xmlns:r="http://schemas.openxmlformats.org/officeDocument/2006/relationships" xmlns:p="http://schemas.openxmlformats.org/presentationml/2006/main">
-  <p:cSld>
-    <p:spTree>
-      <p:nvGrpSpPr>
-        <p:cNvPr id="1" name=""/>
-        <p:cNvGrpSpPr/>
-        <p:nvPr/>
-      </p:nvGrpSpPr>
-      <p:grpSpPr>
-        <a:xfrm>
-          <a:off x="0" y="0"/>
-          <a:ext cx="0" cy="0"/>
-          <a:chOff x="0" y="0"/>
-          <a:chExt cx="0" cy="0"/>
-        </a:xfrm>
-      </p:grpSpPr>
-      <p:sp>
-        <p:nvSpPr>
-          <p:cNvPr id="2" name="Title 1">
-            <a:extLst>
-              <a:ext uri="{FF2B5EF4-FFF2-40B4-BE49-F238E27FC236}">
-                <a16:creationId xmlns:a16="http://schemas.microsoft.com/office/drawing/2014/main" id="{5B750EAE-B2A6-26FA-0693-11001E635F49}"/>
-              </a:ext>
-            </a:extLst>
-          </p:cNvPr>
-          <p:cNvSpPr>
-            <a:spLocks noGrp="1"/>
-          </p:cNvSpPr>
-          <p:nvPr>
-            <p:ph type="title"/>
-          </p:nvPr>
-        </p:nvSpPr>
-        <p:spPr/>
-        <p:txBody>
-          <a:bodyPr/>
-          <a:lstStyle/>
-          <a:p>
-            <a:r>
-              <a:rPr lang="en-GB"/>
-              <a:t>Primena: Feature Selection</a:t>
-            </a:r>
-          </a:p>
-        </p:txBody>
-      </p:sp>
-      <p:sp>
-        <p:nvSpPr>
-          <p:cNvPr id="3" name="Content Placeholder 2">
-            <a:extLst>
-              <a:ext uri="{FF2B5EF4-FFF2-40B4-BE49-F238E27FC236}">
-                <a16:creationId xmlns:a16="http://schemas.microsoft.com/office/drawing/2014/main" id="{D2AC6BDB-42B0-2C90-48CB-1477B54C8246}"/>
-              </a:ext>
-            </a:extLst>
-          </p:cNvPr>
-          <p:cNvSpPr>
-            <a:spLocks noGrp="1"/>
-          </p:cNvSpPr>
-          <p:nvPr>
-            <p:ph idx="1"/>
-          </p:nvPr>
-        </p:nvSpPr>
-        <p:spPr/>
-        <p:txBody>
-          <a:bodyPr>
-            <a:normAutofit/>
-          </a:bodyPr>
-          <a:lstStyle/>
-          <a:p>
-            <a:r>
-              <a:rPr lang="fi-FI" sz="2400"/>
-              <a:t>WOA se često koristi za:</a:t>
-            </a:r>
-          </a:p>
-          <a:p>
-            <a:pPr lvl="1"/>
-            <a:r>
-              <a:rPr lang="en-GB" sz="2400"/>
-              <a:t>izbor optimalnog podskupa osobina</a:t>
-            </a:r>
-          </a:p>
-          <a:p>
-            <a:pPr lvl="1"/>
-            <a:r>
-              <a:rPr lang="en-GB" sz="2400"/>
-              <a:t>smanjenje dimenzionalnosti</a:t>
-            </a:r>
-          </a:p>
-          <a:p>
-            <a:pPr lvl="1"/>
-            <a:r>
-              <a:rPr lang="en-GB" sz="2400"/>
-              <a:t>poboljšanje performansi ML modela</a:t>
-            </a:r>
-          </a:p>
-          <a:p>
-            <a:r>
-              <a:rPr lang="pl-PL" sz="2400"/>
-              <a:t>Posebno u kombinaciji sa klasifikatorima.</a:t>
-            </a:r>
-            <a:endParaRPr lang="en-GB" sz="2400"/>
-          </a:p>
-        </p:txBody>
-      </p:sp>
-    </p:spTree>
-    <p:extLst>
-      <p:ext uri="{BB962C8B-B14F-4D97-AF65-F5344CB8AC3E}">
-        <p14:creationId xmlns:p14="http://schemas.microsoft.com/office/powerpoint/2010/main" val="1472146705"/>
-      </p:ext>
-    </p:extLst>
-  </p:cSld>
-  <p:clrMapOvr>
-    <a:masterClrMapping/>
-  </p:clrMapOvr>
-</p:sld>
-</file>
-
-<file path=ppt/slides/slide17.xml><?xml version="1.0" encoding="utf-8"?>
-<p:sld xmlns:a="http://schemas.openxmlformats.org/drawingml/2006/main" xmlns:r="http://schemas.openxmlformats.org/officeDocument/2006/relationships" xmlns:p="http://schemas.openxmlformats.org/presentationml/2006/main">
-  <p:cSld>
-    <p:spTree>
-      <p:nvGrpSpPr>
-        <p:cNvPr id="1" name=""/>
-        <p:cNvGrpSpPr/>
-        <p:nvPr/>
-      </p:nvGrpSpPr>
-      <p:grpSpPr>
-        <a:xfrm>
-          <a:off x="0" y="0"/>
-          <a:ext cx="0" cy="0"/>
-          <a:chOff x="0" y="0"/>
-          <a:chExt cx="0" cy="0"/>
-        </a:xfrm>
-      </p:grpSpPr>
-      <p:sp>
-        <p:nvSpPr>
-          <p:cNvPr id="2" name="Title 1">
-            <a:extLst>
-              <a:ext uri="{FF2B5EF4-FFF2-40B4-BE49-F238E27FC236}">
-                <a16:creationId xmlns:a16="http://schemas.microsoft.com/office/drawing/2014/main" id="{6F15849F-5131-47BB-9928-C9BA97F418B1}"/>
-              </a:ext>
-            </a:extLst>
-          </p:cNvPr>
-          <p:cNvSpPr>
-            <a:spLocks noGrp="1"/>
-          </p:cNvSpPr>
-          <p:nvPr>
-            <p:ph type="title"/>
-          </p:nvPr>
-        </p:nvSpPr>
-        <p:spPr>
-          <a:xfrm>
-            <a:off x="1261872" y="365759"/>
-            <a:ext cx="9692640" cy="1359523"/>
-          </a:xfrm>
-        </p:spPr>
-        <p:txBody>
-          <a:bodyPr/>
-          <a:lstStyle/>
-          <a:p>
-            <a:r>
-              <a:rPr lang="en-GB"/>
-              <a:t>Primena: Optimizacija hiperparametara</a:t>
-            </a:r>
-          </a:p>
-        </p:txBody>
-      </p:sp>
-      <p:sp>
-        <p:nvSpPr>
-          <p:cNvPr id="3" name="Content Placeholder 2">
-            <a:extLst>
-              <a:ext uri="{FF2B5EF4-FFF2-40B4-BE49-F238E27FC236}">
-                <a16:creationId xmlns:a16="http://schemas.microsoft.com/office/drawing/2014/main" id="{851B5AE4-8124-865F-18FD-A5CD7AC99CF6}"/>
-              </a:ext>
-            </a:extLst>
-          </p:cNvPr>
-          <p:cNvSpPr>
-            <a:spLocks noGrp="1"/>
-          </p:cNvSpPr>
-          <p:nvPr>
-            <p:ph idx="1"/>
-          </p:nvPr>
-        </p:nvSpPr>
-        <p:spPr/>
-        <p:txBody>
-          <a:bodyPr>
-            <a:normAutofit/>
-          </a:bodyPr>
-          <a:lstStyle/>
-          <a:p>
-            <a:r>
-              <a:rPr lang="en-GB" sz="2400"/>
-              <a:t>WOA se koristi za:</a:t>
-            </a:r>
-          </a:p>
-          <a:p>
-            <a:pPr lvl="1"/>
-            <a:r>
-              <a:rPr lang="en-GB" sz="2400"/>
-              <a:t>tuning neuronskih mreža</a:t>
-            </a:r>
-          </a:p>
-          <a:p>
-            <a:pPr lvl="1"/>
-            <a:r>
-              <a:rPr lang="en-GB" sz="2400"/>
-              <a:t>izbor learning rate-a</a:t>
-            </a:r>
-          </a:p>
-          <a:p>
-            <a:pPr lvl="1"/>
-            <a:r>
-              <a:rPr lang="en-GB" sz="2400"/>
-              <a:t>broj slojeva i neurona</a:t>
-            </a:r>
-          </a:p>
-          <a:p>
-            <a:r>
-              <a:rPr lang="pl-PL" sz="2400"/>
-              <a:t>Pomaže u automatizaciji ML procesa.</a:t>
-            </a:r>
-            <a:endParaRPr lang="en-GB" sz="2400"/>
-          </a:p>
-        </p:txBody>
-      </p:sp>
-    </p:spTree>
-    <p:extLst>
-      <p:ext uri="{BB962C8B-B14F-4D97-AF65-F5344CB8AC3E}">
-        <p14:creationId xmlns:p14="http://schemas.microsoft.com/office/powerpoint/2010/main" val="2679871956"/>
-      </p:ext>
-    </p:extLst>
-  </p:cSld>
-  <p:clrMapOvr>
-    <a:masterClrMapping/>
-  </p:clrMapOvr>
-</p:sld>
-</file>
-
-<file path=ppt/slides/slide18.xml><?xml version="1.0" encoding="utf-8"?>
-<p:sld xmlns:a="http://schemas.openxmlformats.org/drawingml/2006/main" xmlns:r="http://schemas.openxmlformats.org/officeDocument/2006/relationships" xmlns:p="http://schemas.openxmlformats.org/presentationml/2006/main">
-  <p:cSld>
-    <p:spTree>
-      <p:nvGrpSpPr>
-        <p:cNvPr id="1" name=""/>
-        <p:cNvGrpSpPr/>
-        <p:nvPr/>
-      </p:nvGrpSpPr>
-      <p:grpSpPr>
-        <a:xfrm>
-          <a:off x="0" y="0"/>
-          <a:ext cx="0" cy="0"/>
-          <a:chOff x="0" y="0"/>
-          <a:chExt cx="0" cy="0"/>
-        </a:xfrm>
-      </p:grpSpPr>
-      <p:sp>
-        <p:nvSpPr>
-          <p:cNvPr id="2" name="Title 1">
-            <a:extLst>
-              <a:ext uri="{FF2B5EF4-FFF2-40B4-BE49-F238E27FC236}">
-                <a16:creationId xmlns:a16="http://schemas.microsoft.com/office/drawing/2014/main" id="{71FE9DBE-BC2F-C35F-3B6B-F731956AEAC5}"/>
-              </a:ext>
-            </a:extLst>
-          </p:cNvPr>
-          <p:cNvSpPr>
-            <a:spLocks noGrp="1"/>
-          </p:cNvSpPr>
-          <p:nvPr>
-            <p:ph type="title"/>
-          </p:nvPr>
-        </p:nvSpPr>
-        <p:spPr/>
-        <p:txBody>
-          <a:bodyPr/>
-          <a:lstStyle/>
-          <a:p>
-            <a:r>
-              <a:rPr lang="en-GB"/>
-              <a:t>Inženjerski problemi</a:t>
-            </a:r>
-          </a:p>
-        </p:txBody>
-      </p:sp>
-      <p:sp>
-        <p:nvSpPr>
-          <p:cNvPr id="3" name="Content Placeholder 2">
-            <a:extLst>
-              <a:ext uri="{FF2B5EF4-FFF2-40B4-BE49-F238E27FC236}">
-                <a16:creationId xmlns:a16="http://schemas.microsoft.com/office/drawing/2014/main" id="{458D0F8D-18B8-4B84-7891-B37DBC05DE87}"/>
-              </a:ext>
-            </a:extLst>
-          </p:cNvPr>
-          <p:cNvSpPr>
-            <a:spLocks noGrp="1"/>
-          </p:cNvSpPr>
-          <p:nvPr>
-            <p:ph idx="1"/>
-          </p:nvPr>
-        </p:nvSpPr>
-        <p:spPr/>
-        <p:txBody>
-          <a:bodyPr>
-            <a:normAutofit/>
-          </a:bodyPr>
-          <a:lstStyle/>
-          <a:p>
-            <a:r>
-              <a:rPr lang="en-GB" sz="2400"/>
-              <a:t>WOA je primenjen u:</a:t>
-            </a:r>
-          </a:p>
-          <a:p>
-            <a:pPr lvl="1"/>
-            <a:r>
-              <a:rPr lang="en-GB" sz="2400"/>
-              <a:t>optimizaciji struktura</a:t>
-            </a:r>
-          </a:p>
-          <a:p>
-            <a:pPr lvl="1"/>
-            <a:r>
-              <a:rPr lang="en-GB" sz="2400"/>
-              <a:t>energetskoj efikasnosti</a:t>
-            </a:r>
-          </a:p>
-          <a:p>
-            <a:pPr lvl="1"/>
-            <a:r>
-              <a:rPr lang="en-GB" sz="2400"/>
-              <a:t>raspoređivanju resursa</a:t>
-            </a:r>
-          </a:p>
-          <a:p>
-            <a:r>
-              <a:rPr lang="en-GB" sz="2400"/>
-              <a:t>Posebno u nelinearnim problemima.</a:t>
-            </a:r>
-          </a:p>
-        </p:txBody>
-      </p:sp>
-    </p:spTree>
-    <p:extLst>
-      <p:ext uri="{BB962C8B-B14F-4D97-AF65-F5344CB8AC3E}">
-        <p14:creationId xmlns:p14="http://schemas.microsoft.com/office/powerpoint/2010/main" val="4236086827"/>
-      </p:ext>
-    </p:extLst>
-  </p:cSld>
-  <p:clrMapOvr>
-    <a:masterClrMapping/>
-  </p:clrMapOvr>
-</p:sld>
-</file>
-
-<file path=ppt/slides/slide19.xml><?xml version="1.0" encoding="utf-8"?>
-<p:sld xmlns:a="http://schemas.openxmlformats.org/drawingml/2006/main" xmlns:r="http://schemas.openxmlformats.org/officeDocument/2006/relationships" xmlns:p="http://schemas.openxmlformats.org/presentationml/2006/main">
-  <p:cSld>
-    <p:spTree>
-      <p:nvGrpSpPr>
-        <p:cNvPr id="1" name=""/>
-        <p:cNvGrpSpPr/>
-        <p:nvPr/>
-      </p:nvGrpSpPr>
-      <p:grpSpPr>
-        <a:xfrm>
-          <a:off x="0" y="0"/>
-          <a:ext cx="0" cy="0"/>
-          <a:chOff x="0" y="0"/>
-          <a:chExt cx="0" cy="0"/>
-        </a:xfrm>
-      </p:grpSpPr>
-      <p:sp>
-        <p:nvSpPr>
-          <p:cNvPr id="2" name="Title 1">
-            <a:extLst>
-              <a:ext uri="{FF2B5EF4-FFF2-40B4-BE49-F238E27FC236}">
-                <a16:creationId xmlns:a16="http://schemas.microsoft.com/office/drawing/2014/main" id="{4EA9815A-EEE8-B54B-4A69-65EEE9A489C7}"/>
-              </a:ext>
-            </a:extLst>
-          </p:cNvPr>
-          <p:cNvSpPr>
-            <a:spLocks noGrp="1"/>
-          </p:cNvSpPr>
-          <p:nvPr>
-            <p:ph type="title"/>
-          </p:nvPr>
-        </p:nvSpPr>
-        <p:spPr/>
-        <p:txBody>
-          <a:bodyPr/>
-          <a:lstStyle/>
-          <a:p>
-            <a:r>
-              <a:rPr lang="en-GB"/>
-              <a:t>Prednosti i ograničenja</a:t>
-            </a:r>
-          </a:p>
-        </p:txBody>
-      </p:sp>
-      <p:sp>
-        <p:nvSpPr>
-          <p:cNvPr id="3" name="Content Placeholder 2">
-            <a:extLst>
-              <a:ext uri="{FF2B5EF4-FFF2-40B4-BE49-F238E27FC236}">
-                <a16:creationId xmlns:a16="http://schemas.microsoft.com/office/drawing/2014/main" id="{587D8A7A-40B8-A358-781D-B36A77E7EAEA}"/>
-              </a:ext>
-            </a:extLst>
-          </p:cNvPr>
-          <p:cNvSpPr>
-            <a:spLocks noGrp="1"/>
-          </p:cNvSpPr>
-          <p:nvPr>
-            <p:ph idx="1"/>
-          </p:nvPr>
-        </p:nvSpPr>
-        <p:spPr/>
-        <p:txBody>
-          <a:bodyPr>
-            <a:normAutofit/>
-          </a:bodyPr>
-          <a:lstStyle/>
-          <a:p>
-            <a:r>
-              <a:rPr lang="en-GB" sz="2400"/>
-              <a:t>Prednosti:</a:t>
-            </a:r>
-            <a:endParaRPr lang="pl-PL" sz="2400"/>
-          </a:p>
-          <a:p>
-            <a:pPr lvl="1"/>
-            <a:r>
-              <a:rPr lang="en-GB" sz="2400"/>
-              <a:t>jednostavna implementacija</a:t>
-            </a:r>
-          </a:p>
-          <a:p>
-            <a:pPr lvl="1"/>
-            <a:r>
-              <a:rPr lang="en-GB" sz="2400"/>
-              <a:t>Fleksibilnost</a:t>
-            </a:r>
-          </a:p>
-          <a:p>
-            <a:pPr lvl="1"/>
-            <a:r>
-              <a:rPr lang="en-GB" sz="2400"/>
-              <a:t>široka primena</a:t>
-            </a:r>
-          </a:p>
-          <a:p>
-            <a:r>
-              <a:rPr lang="en-GB" sz="2400"/>
-              <a:t>Ograničenja:</a:t>
-            </a:r>
-          </a:p>
-          <a:p>
-            <a:pPr lvl="1"/>
-            <a:r>
-              <a:rPr lang="en-GB" sz="2400"/>
-              <a:t>sporija konvergencija u nekim slučajevima</a:t>
-            </a:r>
-          </a:p>
-          <a:p>
-            <a:pPr lvl="1"/>
-            <a:r>
-              <a:rPr lang="en-GB" sz="2400"/>
-              <a:t>zavisi od inicijalne populacije</a:t>
-            </a:r>
-          </a:p>
-        </p:txBody>
-      </p:sp>
-    </p:spTree>
-    <p:extLst>
-      <p:ext uri="{BB962C8B-B14F-4D97-AF65-F5344CB8AC3E}">
-        <p14:creationId xmlns:p14="http://schemas.microsoft.com/office/powerpoint/2010/main" val="3759438774"/>
+        <p14:creationId xmlns:p14="http://schemas.microsoft.com/office/powerpoint/2010/main" val="1505807320"/>
       </p:ext>
     </p:extLst>
   </p:cSld>
@@ -5126,166 +4733,6 @@
     <p:extLst>
       <p:ext uri="{BB962C8B-B14F-4D97-AF65-F5344CB8AC3E}">
         <p14:creationId xmlns:p14="http://schemas.microsoft.com/office/powerpoint/2010/main" val="3454293404"/>
-      </p:ext>
-    </p:extLst>
-  </p:cSld>
-  <p:clrMapOvr>
-    <a:masterClrMapping/>
-  </p:clrMapOvr>
-</p:sld>
-</file>
-
-<file path=ppt/slides/slide20.xml><?xml version="1.0" encoding="utf-8"?>
-<p:sld xmlns:a="http://schemas.openxmlformats.org/drawingml/2006/main" xmlns:r="http://schemas.openxmlformats.org/officeDocument/2006/relationships" xmlns:p="http://schemas.openxmlformats.org/presentationml/2006/main">
-  <p:cSld>
-    <p:spTree>
-      <p:nvGrpSpPr>
-        <p:cNvPr id="1" name=""/>
-        <p:cNvGrpSpPr/>
-        <p:nvPr/>
-      </p:nvGrpSpPr>
-      <p:grpSpPr>
-        <a:xfrm>
-          <a:off x="0" y="0"/>
-          <a:ext cx="0" cy="0"/>
-          <a:chOff x="0" y="0"/>
-          <a:chExt cx="0" cy="0"/>
-        </a:xfrm>
-      </p:grpSpPr>
-      <p:sp>
-        <p:nvSpPr>
-          <p:cNvPr id="2" name="Title 1">
-            <a:extLst>
-              <a:ext uri="{FF2B5EF4-FFF2-40B4-BE49-F238E27FC236}">
-                <a16:creationId xmlns:a16="http://schemas.microsoft.com/office/drawing/2014/main" id="{DA7C6D56-A459-9DD6-C24F-2C9E1FA2F86E}"/>
-              </a:ext>
-            </a:extLst>
-          </p:cNvPr>
-          <p:cNvSpPr>
-            <a:spLocks noGrp="1"/>
-          </p:cNvSpPr>
-          <p:nvPr>
-            <p:ph type="title"/>
-          </p:nvPr>
-        </p:nvSpPr>
-        <p:spPr/>
-        <p:txBody>
-          <a:bodyPr/>
-          <a:lstStyle/>
-          <a:p>
-            <a:r>
-              <a:rPr lang="en-GB"/>
-              <a:t>Zaključak</a:t>
-            </a:r>
-          </a:p>
-        </p:txBody>
-      </p:sp>
-      <p:sp>
-        <p:nvSpPr>
-          <p:cNvPr id="3" name="Content Placeholder 2">
-            <a:extLst>
-              <a:ext uri="{FF2B5EF4-FFF2-40B4-BE49-F238E27FC236}">
-                <a16:creationId xmlns:a16="http://schemas.microsoft.com/office/drawing/2014/main" id="{F12CAFF4-F9DE-D853-B8FF-B8252CEC2941}"/>
-              </a:ext>
-            </a:extLst>
-          </p:cNvPr>
-          <p:cNvSpPr>
-            <a:spLocks noGrp="1"/>
-          </p:cNvSpPr>
-          <p:nvPr>
-            <p:ph idx="1"/>
-          </p:nvPr>
-        </p:nvSpPr>
-        <p:spPr/>
-        <p:txBody>
-          <a:bodyPr>
-            <a:normAutofit/>
-          </a:bodyPr>
-          <a:lstStyle/>
-          <a:p>
-            <a:r>
-              <a:rPr lang="en-GB" sz="2400"/>
-              <a:t>Whale Optimization Algorithm je moćan i intuitivan metaheuristički algoritam.</a:t>
-            </a:r>
-          </a:p>
-          <a:p>
-            <a:r>
-              <a:rPr lang="en-GB" sz="2400"/>
-              <a:t>Inspirisan prirodnim ponašanjem grbavih kitova, uspešno se primenjuje u ML i inženjerskim problemima.</a:t>
-            </a:r>
-          </a:p>
-          <a:p>
-            <a:r>
-              <a:rPr lang="en-GB" sz="2400"/>
-              <a:t>Zbog svoje jednostavnosti i fleksibilnosti, predstavlja dobar izbor za optimizacione zadatke.</a:t>
-            </a:r>
-          </a:p>
-        </p:txBody>
-      </p:sp>
-    </p:spTree>
-    <p:extLst>
-      <p:ext uri="{BB962C8B-B14F-4D97-AF65-F5344CB8AC3E}">
-        <p14:creationId xmlns:p14="http://schemas.microsoft.com/office/powerpoint/2010/main" val="549290673"/>
-      </p:ext>
-    </p:extLst>
-  </p:cSld>
-  <p:clrMapOvr>
-    <a:masterClrMapping/>
-  </p:clrMapOvr>
-</p:sld>
-</file>
-
-<file path=ppt/slides/slide21.xml><?xml version="1.0" encoding="utf-8"?>
-<p:sld xmlns:a="http://schemas.openxmlformats.org/drawingml/2006/main" xmlns:r="http://schemas.openxmlformats.org/officeDocument/2006/relationships" xmlns:p="http://schemas.openxmlformats.org/presentationml/2006/main">
-  <p:cSld>
-    <p:spTree>
-      <p:nvGrpSpPr>
-        <p:cNvPr id="1" name=""/>
-        <p:cNvGrpSpPr/>
-        <p:nvPr/>
-      </p:nvGrpSpPr>
-      <p:grpSpPr>
-        <a:xfrm>
-          <a:off x="0" y="0"/>
-          <a:ext cx="0" cy="0"/>
-          <a:chOff x="0" y="0"/>
-          <a:chExt cx="0" cy="0"/>
-        </a:xfrm>
-      </p:grpSpPr>
-      <p:sp>
-        <p:nvSpPr>
-          <p:cNvPr id="2" name="Title 1">
-            <a:extLst>
-              <a:ext uri="{FF2B5EF4-FFF2-40B4-BE49-F238E27FC236}">
-                <a16:creationId xmlns:a16="http://schemas.microsoft.com/office/drawing/2014/main" id="{A9538091-97C3-2BE3-A213-3AE0857169BD}"/>
-              </a:ext>
-            </a:extLst>
-          </p:cNvPr>
-          <p:cNvSpPr>
-            <a:spLocks noGrp="1"/>
-          </p:cNvSpPr>
-          <p:nvPr>
-            <p:ph type="ctrTitle"/>
-          </p:nvPr>
-        </p:nvSpPr>
-        <p:spPr/>
-        <p:txBody>
-          <a:bodyPr anchor="ctr"/>
-          <a:lstStyle/>
-          <a:p>
-            <a:pPr algn="ctr"/>
-            <a:r>
-              <a:rPr lang="sr-Latn-RS"/>
-              <a:t>Hvala na pažnji!</a:t>
-            </a:r>
-            <a:endParaRPr lang="en-GB"/>
-          </a:p>
-        </p:txBody>
-      </p:sp>
-    </p:spTree>
-    <p:extLst>
-      <p:ext uri="{BB962C8B-B14F-4D97-AF65-F5344CB8AC3E}">
-        <p14:creationId xmlns:p14="http://schemas.microsoft.com/office/powerpoint/2010/main" val="1505807320"/>
       </p:ext>
     </p:extLst>
   </p:cSld>
@@ -5667,7 +5114,7 @@
           <p:cNvPr id="2" name="Title 1">
             <a:extLst>
               <a:ext uri="{FF2B5EF4-FFF2-40B4-BE49-F238E27FC236}">
-                <a16:creationId xmlns:a16="http://schemas.microsoft.com/office/drawing/2014/main" id="{94FF7CAD-8B4C-1285-8CC2-3570580BAAB4}"/>
+                <a16:creationId xmlns:a16="http://schemas.microsoft.com/office/drawing/2014/main" id="{E0364943-34C1-C6F6-46D9-0256C5BB8771}"/>
               </a:ext>
             </a:extLst>
           </p:cNvPr>
@@ -5685,7 +5132,7 @@
           <a:p>
             <a:r>
               <a:rPr lang="en-GB"/>
-              <a:t>Bubble-net feeding strategija</a:t>
+              <a:t>Osnovna ideja WOA algoritma</a:t>
             </a:r>
           </a:p>
         </p:txBody>
@@ -5695,7 +5142,7 @@
           <p:cNvPr id="3" name="Content Placeholder 2">
             <a:extLst>
               <a:ext uri="{FF2B5EF4-FFF2-40B4-BE49-F238E27FC236}">
-                <a16:creationId xmlns:a16="http://schemas.microsoft.com/office/drawing/2014/main" id="{BD78F25E-C058-2DA6-51EF-6F9F06158662}"/>
+                <a16:creationId xmlns:a16="http://schemas.microsoft.com/office/drawing/2014/main" id="{F9F34B29-D8D9-3BE4-0810-94F4A491BADC}"/>
               </a:ext>
             </a:extLst>
           </p:cNvPr>
@@ -5714,52 +5161,49 @@
           <a:lstStyle/>
           <a:p>
             <a:r>
-              <a:rPr lang="nl-NL" sz="2400"/>
-              <a:t>Bubble-net feeding je strategija u kojoj:</a:t>
+              <a:rPr lang="en-GB" sz="2400"/>
+              <a:t>U WOA algoritmu:</a:t>
             </a:r>
           </a:p>
           <a:p>
             <a:pPr lvl="1"/>
             <a:r>
               <a:rPr lang="en-GB" sz="2400"/>
-              <a:t>kitovi kruže oko plena</a:t>
-            </a:r>
-            <a:endParaRPr lang="nl-NL" sz="2400"/>
+              <a:t>svaki kit predstavlja jedno moguće rešenje</a:t>
+            </a:r>
           </a:p>
           <a:p>
             <a:pPr lvl="1"/>
             <a:r>
               <a:rPr lang="en-GB" sz="2400"/>
-              <a:t>ispuštaju mehuriće</a:t>
-            </a:r>
-            <a:endParaRPr lang="nl-NL" sz="2400"/>
+              <a:t>najbolji kit predstavlja trenutno optimalno rešenje</a:t>
+            </a:r>
           </a:p>
           <a:p>
             <a:pPr lvl="1"/>
             <a:r>
+              <a:rPr lang="pl-PL" sz="2400"/>
+              <a:t>ostali kitovi se pomeraju ka najboljem</a:t>
+            </a:r>
+            <a:endParaRPr lang="en-GB" sz="2400"/>
+          </a:p>
+          <a:p>
+            <a:pPr lvl="1"/>
+            <a:endParaRPr lang="en-GB" sz="2400" b="1"/>
+          </a:p>
+          <a:p>
+            <a:r>
               <a:rPr lang="en-GB" sz="2400"/>
-              <a:t>postepeno smanjuju krug</a:t>
-            </a:r>
-          </a:p>
-          <a:p>
-            <a:pPr marL="274320" lvl="1" indent="0">
-              <a:buNone/>
-            </a:pPr>
-            <a:endParaRPr lang="nl-NL" sz="2400"/>
-          </a:p>
-          <a:p>
-            <a:r>
-              <a:rPr lang="pl-PL" sz="2400"/>
-              <a:t>Ova strategija je inspiracija za matematički model WOA algoritma.</a:t>
-            </a:r>
-            <a:endParaRPr lang="en-GB" sz="2400"/>
+              <a:t>Cilj je pronaći globalni optimum.</a:t>
+            </a:r>
+            <a:endParaRPr lang="en-GB" sz="2400" b="1"/>
           </a:p>
         </p:txBody>
       </p:sp>
     </p:spTree>
     <p:extLst>
       <p:ext uri="{BB962C8B-B14F-4D97-AF65-F5344CB8AC3E}">
-        <p14:creationId xmlns:p14="http://schemas.microsoft.com/office/powerpoint/2010/main" val="518473482"/>
+        <p14:creationId xmlns:p14="http://schemas.microsoft.com/office/powerpoint/2010/main" val="348730817"/>
       </p:ext>
     </p:extLst>
   </p:cSld>
@@ -5791,7 +5235,7 @@
           <p:cNvPr id="2" name="Title 1">
             <a:extLst>
               <a:ext uri="{FF2B5EF4-FFF2-40B4-BE49-F238E27FC236}">
-                <a16:creationId xmlns:a16="http://schemas.microsoft.com/office/drawing/2014/main" id="{E0364943-34C1-C6F6-46D9-0256C5BB8771}"/>
+                <a16:creationId xmlns:a16="http://schemas.microsoft.com/office/drawing/2014/main" id="{C597645B-B86B-882D-5225-61E38303E5BE}"/>
               </a:ext>
             </a:extLst>
           </p:cNvPr>
@@ -5809,7 +5253,7 @@
           <a:p>
             <a:r>
               <a:rPr lang="en-GB"/>
-              <a:t>Osnovna ideja WOA algoritma</a:t>
+              <a:t>Matematički model (intuicija)</a:t>
             </a:r>
           </a:p>
         </p:txBody>
@@ -5819,7 +5263,7 @@
           <p:cNvPr id="3" name="Content Placeholder 2">
             <a:extLst>
               <a:ext uri="{FF2B5EF4-FFF2-40B4-BE49-F238E27FC236}">
-                <a16:creationId xmlns:a16="http://schemas.microsoft.com/office/drawing/2014/main" id="{F9F34B29-D8D9-3BE4-0810-94F4A491BADC}"/>
+                <a16:creationId xmlns:a16="http://schemas.microsoft.com/office/drawing/2014/main" id="{BF20BE1E-E56F-1792-BBBA-1588E08CC31F}"/>
               </a:ext>
             </a:extLst>
           </p:cNvPr>
@@ -5833,54 +5277,48 @@
         <p:spPr/>
         <p:txBody>
           <a:bodyPr>
-            <a:normAutofit/>
+            <a:noAutofit/>
           </a:bodyPr>
           <a:lstStyle/>
           <a:p>
             <a:r>
               <a:rPr lang="en-GB" sz="2400"/>
-              <a:t>U WOA algoritmu:</a:t>
+              <a:t>Kretanje kitova se modeluje:</a:t>
             </a:r>
           </a:p>
           <a:p>
             <a:pPr lvl="1"/>
             <a:r>
               <a:rPr lang="en-GB" sz="2400"/>
-              <a:t>svaki kit predstavlja jedno moguće rešenje</a:t>
+              <a:t>smanjivanjem distance do plena</a:t>
             </a:r>
           </a:p>
           <a:p>
             <a:pPr lvl="1"/>
             <a:r>
               <a:rPr lang="en-GB" sz="2400"/>
-              <a:t>najbolji kit predstavlja trenutno optimalno rešenje</a:t>
+              <a:t>spiralnim kretanjem</a:t>
             </a:r>
           </a:p>
           <a:p>
             <a:pPr lvl="1"/>
             <a:r>
-              <a:rPr lang="pl-PL" sz="2400"/>
-              <a:t>ostali kitovi se pomeraju ka najboljem</a:t>
-            </a:r>
-            <a:endParaRPr lang="en-GB" sz="2400"/>
-          </a:p>
-          <a:p>
-            <a:pPr lvl="1"/>
-            <a:endParaRPr lang="en-GB" sz="2400" b="1"/>
-          </a:p>
-          <a:p>
-            <a:r>
               <a:rPr lang="en-GB" sz="2400"/>
-              <a:t>Cilj je pronaći globalni optimum.</a:t>
-            </a:r>
-            <a:endParaRPr lang="en-GB" sz="2400" b="1"/>
+              <a:t>slučajnim istraživanjem prostora</a:t>
+            </a:r>
+          </a:p>
+          <a:p>
+            <a:r>
+              <a:rPr lang="en-GB" sz="2400"/>
+              <a:t>Model kombinuje eksploataciju i istraživanje.</a:t>
+            </a:r>
           </a:p>
         </p:txBody>
       </p:sp>
     </p:spTree>
     <p:extLst>
       <p:ext uri="{BB962C8B-B14F-4D97-AF65-F5344CB8AC3E}">
-        <p14:creationId xmlns:p14="http://schemas.microsoft.com/office/powerpoint/2010/main" val="348730817"/>
+        <p14:creationId xmlns:p14="http://schemas.microsoft.com/office/powerpoint/2010/main" val="3208852373"/>
       </p:ext>
     </p:extLst>
   </p:cSld>
@@ -5912,7 +5350,7 @@
           <p:cNvPr id="2" name="Title 1">
             <a:extLst>
               <a:ext uri="{FF2B5EF4-FFF2-40B4-BE49-F238E27FC236}">
-                <a16:creationId xmlns:a16="http://schemas.microsoft.com/office/drawing/2014/main" id="{C597645B-B86B-882D-5225-61E38303E5BE}"/>
+                <a16:creationId xmlns:a16="http://schemas.microsoft.com/office/drawing/2014/main" id="{35C2EDED-5C40-2AD3-6CA2-AD78DD6CDB46}"/>
               </a:ext>
             </a:extLst>
           </p:cNvPr>
@@ -5930,7 +5368,7 @@
           <a:p>
             <a:r>
               <a:rPr lang="en-GB"/>
-              <a:t>Matematički model (intuicija)</a:t>
+              <a:t>Faze WOA algoritma</a:t>
             </a:r>
           </a:p>
         </p:txBody>
@@ -5940,7 +5378,7 @@
           <p:cNvPr id="3" name="Content Placeholder 2">
             <a:extLst>
               <a:ext uri="{FF2B5EF4-FFF2-40B4-BE49-F238E27FC236}">
-                <a16:creationId xmlns:a16="http://schemas.microsoft.com/office/drawing/2014/main" id="{BF20BE1E-E56F-1792-BBBA-1588E08CC31F}"/>
+                <a16:creationId xmlns:a16="http://schemas.microsoft.com/office/drawing/2014/main" id="{AF49A75D-1680-258D-28C9-0BA32BA36797}"/>
               </a:ext>
             </a:extLst>
           </p:cNvPr>
@@ -5954,40 +5392,52 @@
         <p:spPr/>
         <p:txBody>
           <a:bodyPr>
-            <a:noAutofit/>
+            <a:normAutofit/>
           </a:bodyPr>
           <a:lstStyle/>
           <a:p>
             <a:r>
+              <a:rPr lang="it-IT" sz="2400"/>
+              <a:t>WOA ima tri glavne faze:</a:t>
+            </a:r>
+          </a:p>
+          <a:p>
+            <a:pPr marL="731520" lvl="1" indent="-457200">
+              <a:buFont typeface="+mj-lt"/>
+              <a:buAutoNum type="arabicPeriod"/>
+            </a:pPr>
+            <a:r>
+              <a:rPr lang="en-GB" sz="2200"/>
+              <a:t>hiljade sati govora</a:t>
+            </a:r>
+            <a:endParaRPr lang="sr-Latn-RS" sz="2200"/>
+          </a:p>
+          <a:p>
+            <a:pPr marL="731520" lvl="1" indent="-457200">
+              <a:buFont typeface="+mj-lt"/>
+              <a:buAutoNum type="arabicPeriod"/>
+            </a:pPr>
+            <a:r>
               <a:rPr lang="en-GB" sz="2400"/>
-              <a:t>Kretanje kitova se modeluje:</a:t>
-            </a:r>
-          </a:p>
-          <a:p>
-            <a:pPr lvl="1"/>
+              <a:t>engleski jezik</a:t>
+            </a:r>
+            <a:endParaRPr lang="sr-Latn-RS" sz="2400"/>
+          </a:p>
+          <a:p>
+            <a:pPr marL="731520" lvl="1" indent="-457200">
+              <a:buFont typeface="+mj-lt"/>
+              <a:buAutoNum type="arabicPeriod"/>
+            </a:pPr>
             <a:r>
               <a:rPr lang="en-GB" sz="2400"/>
-              <a:t>smanjivanjem distance do plena</a:t>
-            </a:r>
-          </a:p>
-          <a:p>
-            <a:pPr lvl="1"/>
+              <a:t>audio knjige čitane naglas</a:t>
+            </a:r>
+            <a:endParaRPr lang="pl-PL" sz="2400"/>
+          </a:p>
+          <a:p>
             <a:r>
               <a:rPr lang="en-GB" sz="2400"/>
-              <a:t>spiralnim kretanjem</a:t>
-            </a:r>
-          </a:p>
-          <a:p>
-            <a:pPr lvl="1"/>
-            <a:r>
-              <a:rPr lang="en-GB" sz="2400"/>
-              <a:t>slučajnim istraživanjem prostora</a:t>
-            </a:r>
-          </a:p>
-          <a:p>
-            <a:r>
-              <a:rPr lang="en-GB" sz="2400"/>
-              <a:t>Model kombinuje eksploataciju i istraživanje.</a:t>
+              <a:t>Ove faze se biraju stohastički.</a:t>
             </a:r>
           </a:p>
         </p:txBody>
@@ -5995,7 +5445,7 @@
     </p:spTree>
     <p:extLst>
       <p:ext uri="{BB962C8B-B14F-4D97-AF65-F5344CB8AC3E}">
-        <p14:creationId xmlns:p14="http://schemas.microsoft.com/office/powerpoint/2010/main" val="3208852373"/>
+        <p14:creationId xmlns:p14="http://schemas.microsoft.com/office/powerpoint/2010/main" val="1249922722"/>
       </p:ext>
     </p:extLst>
   </p:cSld>
@@ -6027,7 +5477,7 @@
           <p:cNvPr id="2" name="Title 1">
             <a:extLst>
               <a:ext uri="{FF2B5EF4-FFF2-40B4-BE49-F238E27FC236}">
-                <a16:creationId xmlns:a16="http://schemas.microsoft.com/office/drawing/2014/main" id="{35C2EDED-5C40-2AD3-6CA2-AD78DD6CDB46}"/>
+                <a16:creationId xmlns:a16="http://schemas.microsoft.com/office/drawing/2014/main" id="{97876E85-E00E-D586-DE21-5401B945A829}"/>
               </a:ext>
             </a:extLst>
           </p:cNvPr>
@@ -6044,9 +5494,10 @@
           <a:lstStyle/>
           <a:p>
             <a:r>
-              <a:rPr lang="en-GB"/>
-              <a:t>Faze WOA algoritma</a:t>
-            </a:r>
+              <a:rPr lang="pl-PL"/>
+              <a:t>Zašto je WOA dobar izbor</a:t>
+            </a:r>
+            <a:endParaRPr lang="en-GB"/>
           </a:p>
         </p:txBody>
       </p:sp>
@@ -6055,7 +5506,7 @@
           <p:cNvPr id="3" name="Content Placeholder 2">
             <a:extLst>
               <a:ext uri="{FF2B5EF4-FFF2-40B4-BE49-F238E27FC236}">
-                <a16:creationId xmlns:a16="http://schemas.microsoft.com/office/drawing/2014/main" id="{AF49A75D-1680-258D-28C9-0BA32BA36797}"/>
+                <a16:creationId xmlns:a16="http://schemas.microsoft.com/office/drawing/2014/main" id="{CBE0C052-B698-0216-32D9-02C0AC75A02A}"/>
               </a:ext>
             </a:extLst>
           </p:cNvPr>
@@ -6074,47 +5525,36 @@
           <a:lstStyle/>
           <a:p>
             <a:r>
-              <a:rPr lang="it-IT" sz="2400"/>
-              <a:t>WOA ima tri glavne faze:</a:t>
-            </a:r>
-          </a:p>
-          <a:p>
-            <a:pPr marL="731520" lvl="1" indent="-457200">
-              <a:buFont typeface="+mj-lt"/>
-              <a:buAutoNum type="arabicPeriod"/>
-            </a:pPr>
-            <a:r>
-              <a:rPr lang="en-GB" sz="2200"/>
-              <a:t>hiljade sati govora</a:t>
-            </a:r>
-            <a:endParaRPr lang="sr-Latn-RS" sz="2200"/>
-          </a:p>
-          <a:p>
-            <a:pPr marL="731520" lvl="1" indent="-457200">
-              <a:buFont typeface="+mj-lt"/>
-              <a:buAutoNum type="arabicPeriod"/>
-            </a:pPr>
-            <a:r>
               <a:rPr lang="en-GB" sz="2400"/>
-              <a:t>engleski jezik</a:t>
-            </a:r>
-            <a:endParaRPr lang="sr-Latn-RS" sz="2400"/>
-          </a:p>
-          <a:p>
-            <a:pPr marL="731520" lvl="1" indent="-457200">
-              <a:buFont typeface="+mj-lt"/>
-              <a:buAutoNum type="arabicPeriod"/>
-            </a:pPr>
+              <a:t>Prednosti WOA algoritma:</a:t>
+            </a:r>
+          </a:p>
+          <a:p>
+            <a:pPr lvl="1"/>
+            <a:r>
+              <a:rPr lang="pl-PL" sz="2400"/>
+              <a:t>jednostavan za razumevanje i implementaciju</a:t>
+            </a:r>
+            <a:endParaRPr lang="en-US" sz="2400"/>
+          </a:p>
+          <a:p>
+            <a:pPr lvl="1"/>
             <a:r>
               <a:rPr lang="en-GB" sz="2400"/>
-              <a:t>audio knjige čitane naglas</a:t>
-            </a:r>
-            <a:endParaRPr lang="pl-PL" sz="2400"/>
+              <a:t>mali broj parametara</a:t>
+            </a:r>
+          </a:p>
+          <a:p>
+            <a:pPr lvl="1"/>
+            <a:r>
+              <a:rPr lang="fr-FR" sz="2400"/>
+              <a:t>dobar balans između exploration i exploitation</a:t>
+            </a:r>
           </a:p>
           <a:p>
             <a:r>
               <a:rPr lang="en-GB" sz="2400"/>
-              <a:t>Ove faze se biraju stohastički.</a:t>
+              <a:t>Zbog toga je čest izbor u istraživanju.</a:t>
             </a:r>
           </a:p>
         </p:txBody>
@@ -6122,7 +5562,7 @@
     </p:spTree>
     <p:extLst>
       <p:ext uri="{BB962C8B-B14F-4D97-AF65-F5344CB8AC3E}">
-        <p14:creationId xmlns:p14="http://schemas.microsoft.com/office/powerpoint/2010/main" val="1249922722"/>
+        <p14:creationId xmlns:p14="http://schemas.microsoft.com/office/powerpoint/2010/main" val="2676000572"/>
       </p:ext>
     </p:extLst>
   </p:cSld>
